--- a/repo.pptx
+++ b/repo.pptx
@@ -23,6 +23,7 @@
     <p:sldId id="271" r:id="rId17"/>
     <p:sldId id="272" r:id="rId18"/>
     <p:sldId id="273" r:id="rId19"/>
+    <p:sldId id="274" r:id="rId20"/>
   </p:sldIdLst>
   <p:sldSz cx="12192000" cy="6858000"/>
   <p:notesSz cx="6858000" cy="9144000"/>
@@ -121,6 +122,11 @@
       </a:defRPr>
     </a:lvl9pPr>
   </p:defaultTextStyle>
+  <p:extLst>
+    <p:ext uri="{EFAFB233-063F-42B5-8137-9DF3F51BA10A}">
+      <p15:sldGuideLst xmlns:p15="http://schemas.microsoft.com/office/powerpoint/2012/main"/>
+    </p:ext>
+  </p:extLst>
 </p:presentation>
 </file>
 
@@ -255,7 +261,7 @@
           <a:p>
             <a:fld id="{ACEE460A-D6B6-407D-9971-1D9448E2CC39}" type="datetimeFigureOut">
               <a:rPr lang="zh-CN" altLang="en-US" smtClean="0"/>
-              <a:t>2017/5/30</a:t>
+              <a:t>2017/5/31</a:t>
             </a:fld>
             <a:endParaRPr lang="zh-CN" altLang="en-US"/>
           </a:p>
@@ -425,7 +431,7 @@
           <a:p>
             <a:fld id="{ACEE460A-D6B6-407D-9971-1D9448E2CC39}" type="datetimeFigureOut">
               <a:rPr lang="zh-CN" altLang="en-US" smtClean="0"/>
-              <a:t>2017/5/30</a:t>
+              <a:t>2017/5/31</a:t>
             </a:fld>
             <a:endParaRPr lang="zh-CN" altLang="en-US"/>
           </a:p>
@@ -605,7 +611,7 @@
           <a:p>
             <a:fld id="{ACEE460A-D6B6-407D-9971-1D9448E2CC39}" type="datetimeFigureOut">
               <a:rPr lang="zh-CN" altLang="en-US" smtClean="0"/>
-              <a:t>2017/5/30</a:t>
+              <a:t>2017/5/31</a:t>
             </a:fld>
             <a:endParaRPr lang="zh-CN" altLang="en-US"/>
           </a:p>
@@ -775,7 +781,7 @@
           <a:p>
             <a:fld id="{ACEE460A-D6B6-407D-9971-1D9448E2CC39}" type="datetimeFigureOut">
               <a:rPr lang="zh-CN" altLang="en-US" smtClean="0"/>
-              <a:t>2017/5/30</a:t>
+              <a:t>2017/5/31</a:t>
             </a:fld>
             <a:endParaRPr lang="zh-CN" altLang="en-US"/>
           </a:p>
@@ -1021,7 +1027,7 @@
           <a:p>
             <a:fld id="{ACEE460A-D6B6-407D-9971-1D9448E2CC39}" type="datetimeFigureOut">
               <a:rPr lang="zh-CN" altLang="en-US" smtClean="0"/>
-              <a:t>2017/5/30</a:t>
+              <a:t>2017/5/31</a:t>
             </a:fld>
             <a:endParaRPr lang="zh-CN" altLang="en-US"/>
           </a:p>
@@ -1253,7 +1259,7 @@
           <a:p>
             <a:fld id="{ACEE460A-D6B6-407D-9971-1D9448E2CC39}" type="datetimeFigureOut">
               <a:rPr lang="zh-CN" altLang="en-US" smtClean="0"/>
-              <a:t>2017/5/30</a:t>
+              <a:t>2017/5/31</a:t>
             </a:fld>
             <a:endParaRPr lang="zh-CN" altLang="en-US"/>
           </a:p>
@@ -1620,7 +1626,7 @@
           <a:p>
             <a:fld id="{ACEE460A-D6B6-407D-9971-1D9448E2CC39}" type="datetimeFigureOut">
               <a:rPr lang="zh-CN" altLang="en-US" smtClean="0"/>
-              <a:t>2017/5/30</a:t>
+              <a:t>2017/5/31</a:t>
             </a:fld>
             <a:endParaRPr lang="zh-CN" altLang="en-US"/>
           </a:p>
@@ -1738,7 +1744,7 @@
           <a:p>
             <a:fld id="{ACEE460A-D6B6-407D-9971-1D9448E2CC39}" type="datetimeFigureOut">
               <a:rPr lang="zh-CN" altLang="en-US" smtClean="0"/>
-              <a:t>2017/5/30</a:t>
+              <a:t>2017/5/31</a:t>
             </a:fld>
             <a:endParaRPr lang="zh-CN" altLang="en-US"/>
           </a:p>
@@ -1833,7 +1839,7 @@
           <a:p>
             <a:fld id="{ACEE460A-D6B6-407D-9971-1D9448E2CC39}" type="datetimeFigureOut">
               <a:rPr lang="zh-CN" altLang="en-US" smtClean="0"/>
-              <a:t>2017/5/30</a:t>
+              <a:t>2017/5/31</a:t>
             </a:fld>
             <a:endParaRPr lang="zh-CN" altLang="en-US"/>
           </a:p>
@@ -2110,7 +2116,7 @@
           <a:p>
             <a:fld id="{ACEE460A-D6B6-407D-9971-1D9448E2CC39}" type="datetimeFigureOut">
               <a:rPr lang="zh-CN" altLang="en-US" smtClean="0"/>
-              <a:t>2017/5/30</a:t>
+              <a:t>2017/5/31</a:t>
             </a:fld>
             <a:endParaRPr lang="zh-CN" altLang="en-US"/>
           </a:p>
@@ -2363,7 +2369,7 @@
           <a:p>
             <a:fld id="{ACEE460A-D6B6-407D-9971-1D9448E2CC39}" type="datetimeFigureOut">
               <a:rPr lang="zh-CN" altLang="en-US" smtClean="0"/>
-              <a:t>2017/5/30</a:t>
+              <a:t>2017/5/31</a:t>
             </a:fld>
             <a:endParaRPr lang="zh-CN" altLang="en-US"/>
           </a:p>
@@ -2576,7 +2582,7 @@
           <a:p>
             <a:fld id="{ACEE460A-D6B6-407D-9971-1D9448E2CC39}" type="datetimeFigureOut">
               <a:rPr lang="zh-CN" altLang="en-US" smtClean="0"/>
-              <a:t>2017/5/30</a:t>
+              <a:t>2017/5/31</a:t>
             </a:fld>
             <a:endParaRPr lang="zh-CN" altLang="en-US"/>
           </a:p>
@@ -3844,7 +3850,6 @@
               <a:rPr lang="en-US" altLang="zh-CN" dirty="0" smtClean="0"/>
               <a:t>)</a:t>
             </a:r>
-            <a:endParaRPr lang="en-US" altLang="zh-CN" dirty="0" smtClean="0"/>
           </a:p>
           <a:p>
             <a:r>
@@ -4344,7 +4349,7 @@
             <p:ph idx="1"/>
             <p:extLst>
               <p:ext uri="{D42A27DB-BD31-4B8C-83A1-F6EECF244321}">
-                <p14:modId xmlns:p14="http://schemas.microsoft.com/office/powerpoint/2010/main" val="640986499"/>
+                <p14:modId xmlns:p14="http://schemas.microsoft.com/office/powerpoint/2010/main" val="671074424"/>
               </p:ext>
             </p:extLst>
           </p:nvPr>
@@ -4491,22 +4496,22 @@
                     <a:lstStyle/>
                     <a:p>
                       <a:r>
+                        <a:rPr lang="zh-CN" altLang="en-US" baseline="0" dirty="0" smtClean="0"/>
+                        <a:t>最优解</a:t>
+                      </a:r>
+                      <a:endParaRPr lang="zh-CN" altLang="en-US" dirty="0"/>
+                    </a:p>
+                  </a:txBody>
+                  <a:tcPr/>
+                </a:tc>
+                <a:tc>
+                  <a:txBody>
+                    <a:bodyPr/>
+                    <a:lstStyle/>
+                    <a:p>
+                      <a:r>
                         <a:rPr lang="en-US" altLang="zh-CN" dirty="0" smtClean="0"/>
-                        <a:t>1101</a:t>
-                      </a:r>
-                      <a:endParaRPr lang="zh-CN" altLang="en-US" dirty="0"/>
-                    </a:p>
-                  </a:txBody>
-                  <a:tcPr/>
-                </a:tc>
-                <a:tc>
-                  <a:txBody>
-                    <a:bodyPr/>
-                    <a:lstStyle/>
-                    <a:p>
-                      <a:r>
-                        <a:rPr lang="en-US" altLang="zh-CN" dirty="0" smtClean="0"/>
-                        <a:t>1.18</a:t>
+                        <a:t>374.294</a:t>
                       </a:r>
                       <a:endParaRPr lang="zh-CN" altLang="en-US" dirty="0"/>
                     </a:p>
@@ -4697,22 +4702,22 @@
                     <a:lstStyle/>
                     <a:p>
                       <a:r>
+                        <a:rPr lang="zh-CN" altLang="en-US" dirty="0" smtClean="0"/>
+                        <a:t>最优解</a:t>
+                      </a:r>
+                      <a:endParaRPr lang="zh-CN" altLang="en-US" dirty="0"/>
+                    </a:p>
+                  </a:txBody>
+                  <a:tcPr/>
+                </a:tc>
+                <a:tc>
+                  <a:txBody>
+                    <a:bodyPr/>
+                    <a:lstStyle/>
+                    <a:p>
+                      <a:r>
                         <a:rPr lang="en-US" altLang="zh-CN" dirty="0" smtClean="0"/>
-                        <a:t>1101</a:t>
-                      </a:r>
-                      <a:endParaRPr lang="zh-CN" altLang="en-US" dirty="0"/>
-                    </a:p>
-                  </a:txBody>
-                  <a:tcPr/>
-                </a:tc>
-                <a:tc>
-                  <a:txBody>
-                    <a:bodyPr/>
-                    <a:lstStyle/>
-                    <a:p>
-                      <a:r>
-                        <a:rPr lang="en-US" altLang="zh-CN" dirty="0" smtClean="0"/>
-                        <a:t>8.748</a:t>
+                        <a:t>210.999</a:t>
                       </a:r>
                       <a:endParaRPr lang="zh-CN" altLang="en-US" dirty="0"/>
                     </a:p>
@@ -4838,7 +4843,7 @@
                     <a:p>
                       <a:r>
                         <a:rPr lang="en-US" altLang="zh-CN" dirty="0" smtClean="0"/>
-                        <a:t>100.696</a:t>
+                        <a:t>94.096</a:t>
                       </a:r>
                       <a:endParaRPr lang="zh-CN" altLang="en-US" dirty="0"/>
                     </a:p>
@@ -4901,7 +4906,7 @@
                     <a:p>
                       <a:r>
                         <a:rPr lang="en-US" altLang="zh-CN" dirty="0" smtClean="0"/>
-                        <a:t>28.379</a:t>
+                        <a:t>26.511</a:t>
                       </a:r>
                       <a:endParaRPr lang="zh-CN" altLang="en-US" dirty="0"/>
                     </a:p>
@@ -4949,22 +4954,22 @@
                     <a:lstStyle/>
                     <a:p>
                       <a:r>
+                        <a:rPr lang="zh-CN" altLang="en-US" dirty="0" smtClean="0"/>
+                        <a:t>最优解</a:t>
+                      </a:r>
+                      <a:endParaRPr lang="zh-CN" altLang="en-US" dirty="0"/>
+                    </a:p>
+                  </a:txBody>
+                  <a:tcPr/>
+                </a:tc>
+                <a:tc>
+                  <a:txBody>
+                    <a:bodyPr/>
+                    <a:lstStyle/>
+                    <a:p>
+                      <a:r>
                         <a:rPr lang="en-US" altLang="zh-CN" dirty="0" smtClean="0"/>
-                        <a:t>1220</a:t>
-                      </a:r>
-                      <a:endParaRPr lang="zh-CN" altLang="en-US" dirty="0"/>
-                    </a:p>
-                  </a:txBody>
-                  <a:tcPr/>
-                </a:tc>
-                <a:tc>
-                  <a:txBody>
-                    <a:bodyPr/>
-                    <a:lstStyle/>
-                    <a:p>
-                      <a:r>
-                        <a:rPr lang="en-US" altLang="zh-CN" dirty="0" smtClean="0"/>
-                        <a:t>62.554</a:t>
+                        <a:t>306.295</a:t>
                       </a:r>
                       <a:endParaRPr lang="zh-CN" altLang="en-US" dirty="0"/>
                     </a:p>
@@ -5013,7 +5018,7 @@
                     <a:p>
                       <a:r>
                         <a:rPr lang="en-US" altLang="zh-CN" dirty="0" smtClean="0"/>
-                        <a:t>1221</a:t>
+                        <a:t>1220</a:t>
                       </a:r>
                       <a:endParaRPr lang="zh-CN" altLang="en-US" dirty="0"/>
                     </a:p>
@@ -5027,7 +5032,7 @@
                     <a:p>
                       <a:r>
                         <a:rPr lang="en-US" altLang="zh-CN" dirty="0" smtClean="0"/>
-                        <a:t>5.200</a:t>
+                        <a:t>336.219</a:t>
                       </a:r>
                       <a:endParaRPr lang="zh-CN" altLang="en-US" dirty="0"/>
                     </a:p>
@@ -5075,22 +5080,22 @@
                     <a:lstStyle/>
                     <a:p>
                       <a:r>
+                        <a:rPr lang="zh-CN" altLang="en-US" dirty="0" smtClean="0"/>
+                        <a:t>最优解</a:t>
+                      </a:r>
+                      <a:endParaRPr lang="zh-CN" altLang="en-US" dirty="0"/>
+                    </a:p>
+                  </a:txBody>
+                  <a:tcPr/>
+                </a:tc>
+                <a:tc>
+                  <a:txBody>
+                    <a:bodyPr/>
+                    <a:lstStyle/>
+                    <a:p>
+                      <a:r>
                         <a:rPr lang="en-US" altLang="zh-CN" dirty="0" smtClean="0"/>
-                        <a:t>1220</a:t>
-                      </a:r>
-                      <a:endParaRPr lang="zh-CN" altLang="en-US" dirty="0"/>
-                    </a:p>
-                  </a:txBody>
-                  <a:tcPr/>
-                </a:tc>
-                <a:tc>
-                  <a:txBody>
-                    <a:bodyPr/>
-                    <a:lstStyle/>
-                    <a:p>
-                      <a:r>
-                        <a:rPr lang="en-US" altLang="zh-CN" dirty="0" smtClean="0"/>
-                        <a:t>80.546</a:t>
+                        <a:t>146.457</a:t>
                       </a:r>
                       <a:endParaRPr lang="zh-CN" altLang="en-US" dirty="0"/>
                     </a:p>
@@ -5180,7 +5185,7 @@
             <p:ph idx="1"/>
             <p:extLst>
               <p:ext uri="{D42A27DB-BD31-4B8C-83A1-F6EECF244321}">
-                <p14:modId xmlns:p14="http://schemas.microsoft.com/office/powerpoint/2010/main" val="1884869939"/>
+                <p14:modId xmlns:p14="http://schemas.microsoft.com/office/powerpoint/2010/main" val="499599491"/>
               </p:ext>
             </p:extLst>
           </p:nvPr>
@@ -5342,7 +5347,7 @@
                     <a:p>
                       <a:r>
                         <a:rPr lang="en-US" altLang="zh-CN" dirty="0" smtClean="0"/>
-                        <a:t>75.344</a:t>
+                        <a:t>44.214</a:t>
                       </a:r>
                       <a:endParaRPr lang="zh-CN" altLang="en-US" dirty="0"/>
                     </a:p>
@@ -5485,7 +5490,7 @@
                     <a:p>
                       <a:r>
                         <a:rPr lang="en-US" altLang="zh-CN" dirty="0" smtClean="0"/>
-                        <a:t>31.877</a:t>
+                        <a:t>27.723</a:t>
                       </a:r>
                       <a:endParaRPr lang="zh-CN" altLang="en-US" dirty="0"/>
                     </a:p>
@@ -5533,22 +5538,22 @@
                     <a:lstStyle/>
                     <a:p>
                       <a:r>
+                        <a:rPr lang="zh-CN" altLang="en-US" dirty="0" smtClean="0"/>
+                        <a:t>最优解</a:t>
+                      </a:r>
+                      <a:endParaRPr lang="zh-CN" altLang="en-US" dirty="0"/>
+                    </a:p>
+                  </a:txBody>
+                  <a:tcPr/>
+                </a:tc>
+                <a:tc>
+                  <a:txBody>
+                    <a:bodyPr/>
+                    <a:lstStyle/>
+                    <a:p>
+                      <a:r>
                         <a:rPr lang="en-US" altLang="zh-CN" dirty="0" smtClean="0"/>
-                        <a:t>1345</a:t>
-                      </a:r>
-                      <a:endParaRPr lang="zh-CN" altLang="en-US" dirty="0"/>
-                    </a:p>
-                  </a:txBody>
-                  <a:tcPr/>
-                </a:tc>
-                <a:tc>
-                  <a:txBody>
-                    <a:bodyPr/>
-                    <a:lstStyle/>
-                    <a:p>
-                      <a:r>
-                        <a:rPr lang="en-US" altLang="zh-CN" dirty="0" smtClean="0"/>
-                        <a:t>13.430</a:t>
+                        <a:t>145.931</a:t>
                       </a:r>
                       <a:endParaRPr lang="zh-CN" altLang="en-US" dirty="0"/>
                     </a:p>
@@ -5596,22 +5601,22 @@
                     <a:lstStyle/>
                     <a:p>
                       <a:r>
+                        <a:rPr lang="zh-CN" altLang="en-US" dirty="0" smtClean="0"/>
+                        <a:t>最优解</a:t>
+                      </a:r>
+                      <a:endParaRPr lang="zh-CN" altLang="en-US" dirty="0"/>
+                    </a:p>
+                  </a:txBody>
+                  <a:tcPr/>
+                </a:tc>
+                <a:tc>
+                  <a:txBody>
+                    <a:bodyPr/>
+                    <a:lstStyle/>
+                    <a:p>
+                      <a:r>
                         <a:rPr lang="en-US" altLang="zh-CN" dirty="0" smtClean="0"/>
-                        <a:t>1346</a:t>
-                      </a:r>
-                      <a:endParaRPr lang="zh-CN" altLang="en-US" dirty="0"/>
-                    </a:p>
-                  </a:txBody>
-                  <a:tcPr/>
-                </a:tc>
-                <a:tc>
-                  <a:txBody>
-                    <a:bodyPr/>
-                    <a:lstStyle/>
-                    <a:p>
-                      <a:r>
-                        <a:rPr lang="en-US" altLang="zh-CN" dirty="0" smtClean="0"/>
-                        <a:t>5.665</a:t>
+                        <a:t>923.828</a:t>
                       </a:r>
                       <a:endParaRPr lang="zh-CN" altLang="en-US" dirty="0"/>
                     </a:p>
@@ -5674,7 +5679,7 @@
                     <a:p>
                       <a:r>
                         <a:rPr lang="en-US" altLang="zh-CN" dirty="0" smtClean="0"/>
-                        <a:t>45.404</a:t>
+                        <a:t>39.979</a:t>
                       </a:r>
                       <a:endParaRPr lang="zh-CN" altLang="en-US" dirty="0"/>
                     </a:p>
@@ -5849,7 +5854,7 @@
                     <a:p>
                       <a:r>
                         <a:rPr lang="en-US" altLang="zh-CN" dirty="0" smtClean="0"/>
-                        <a:t>1477</a:t>
+                        <a:t>1476</a:t>
                       </a:r>
                       <a:endParaRPr lang="zh-CN" altLang="en-US" dirty="0"/>
                     </a:p>
@@ -5863,7 +5868,7 @@
                     <a:p>
                       <a:r>
                         <a:rPr lang="en-US" altLang="zh-CN" dirty="0" smtClean="0"/>
-                        <a:t>4.350</a:t>
+                        <a:t>615.293</a:t>
                       </a:r>
                       <a:endParaRPr lang="zh-CN" altLang="en-US" dirty="0"/>
                     </a:p>
@@ -5911,22 +5916,22 @@
                     <a:lstStyle/>
                     <a:p>
                       <a:r>
+                        <a:rPr lang="zh-CN" altLang="en-US" dirty="0" smtClean="0"/>
+                        <a:t>最优解</a:t>
+                      </a:r>
+                      <a:endParaRPr lang="zh-CN" altLang="en-US" dirty="0"/>
+                    </a:p>
+                  </a:txBody>
+                  <a:tcPr/>
+                </a:tc>
+                <a:tc>
+                  <a:txBody>
+                    <a:bodyPr/>
+                    <a:lstStyle/>
+                    <a:p>
+                      <a:r>
                         <a:rPr lang="en-US" altLang="zh-CN" dirty="0" smtClean="0"/>
-                        <a:t>1477</a:t>
-                      </a:r>
-                      <a:endParaRPr lang="zh-CN" altLang="en-US" dirty="0"/>
-                    </a:p>
-                  </a:txBody>
-                  <a:tcPr/>
-                </a:tc>
-                <a:tc>
-                  <a:txBody>
-                    <a:bodyPr/>
-                    <a:lstStyle/>
-                    <a:p>
-                      <a:r>
-                        <a:rPr lang="en-US" altLang="zh-CN" dirty="0" smtClean="0"/>
-                        <a:t>13.973</a:t>
+                        <a:t>372.460</a:t>
                       </a:r>
                       <a:endParaRPr lang="zh-CN" altLang="en-US" dirty="0"/>
                     </a:p>
@@ -6016,7 +6021,7 @@
             <p:ph idx="1"/>
             <p:extLst>
               <p:ext uri="{D42A27DB-BD31-4B8C-83A1-F6EECF244321}">
-                <p14:modId xmlns:p14="http://schemas.microsoft.com/office/powerpoint/2010/main" val="4206622359"/>
+                <p14:modId xmlns:p14="http://schemas.microsoft.com/office/powerpoint/2010/main" val="1234873978"/>
               </p:ext>
             </p:extLst>
           </p:nvPr>
@@ -6178,7 +6183,7 @@
                     <a:p>
                       <a:r>
                         <a:rPr lang="en-US" altLang="zh-CN" dirty="0" smtClean="0"/>
-                        <a:t>116.184</a:t>
+                        <a:t>104.058</a:t>
                       </a:r>
                       <a:endParaRPr lang="zh-CN" altLang="en-US" dirty="0"/>
                     </a:p>
@@ -6204,7 +6209,7 @@
         <p:spPr>
           <a:xfrm>
             <a:off x="771277" y="3180522"/>
-            <a:ext cx="10448013" cy="1477328"/>
+            <a:ext cx="10448013" cy="2308324"/>
           </a:xfrm>
           <a:prstGeom prst="rect">
             <a:avLst/>
@@ -6218,8 +6223,45 @@
           <a:lstStyle/>
           <a:p>
             <a:r>
-              <a:rPr lang="en-US" altLang="zh-CN" dirty="0" smtClean="0"/>
-              <a:t>P.S.</a:t>
+              <a:rPr lang="zh-CN" altLang="en-US" dirty="0" smtClean="0"/>
+              <a:t>测试方法：每个测试点跑</a:t>
+            </a:r>
+            <a:r>
+              <a:rPr lang="en-US" altLang="zh-CN" dirty="0" smtClean="0"/>
+              <a:t>1000</a:t>
+            </a:r>
+            <a:r>
+              <a:rPr lang="zh-CN" altLang="en-US" dirty="0" smtClean="0"/>
+              <a:t>秒，只跑了一次（时间不够了）。</a:t>
+            </a:r>
+            <a:endParaRPr lang="en-US" altLang="zh-CN" dirty="0" smtClean="0"/>
+          </a:p>
+          <a:p>
+            <a:r>
+              <a:rPr lang="zh-CN" altLang="en-US" dirty="0" smtClean="0"/>
+              <a:t>总结：程序能在很短时间内得到较优解（与最优解差</a:t>
+            </a:r>
+            <a:r>
+              <a:rPr lang="en-US" altLang="zh-CN" dirty="0" smtClean="0"/>
+              <a:t>1</a:t>
+            </a:r>
+            <a:r>
+              <a:rPr lang="zh-CN" altLang="en-US" dirty="0" smtClean="0"/>
+              <a:t>），在一些数据中可以在合理时间范围内得到最优解。</a:t>
+            </a:r>
+            <a:endParaRPr lang="en-US" altLang="zh-CN" dirty="0" smtClean="0"/>
+          </a:p>
+          <a:p>
+            <a:endParaRPr lang="en-US" altLang="zh-CN" dirty="0" smtClean="0"/>
+          </a:p>
+          <a:p>
+            <a:r>
+              <a:rPr lang="en-US" altLang="zh-CN" dirty="0" smtClean="0"/>
+              <a:t>P.S</a:t>
+            </a:r>
+            <a:r>
+              <a:rPr lang="en-US" altLang="zh-CN" dirty="0" smtClean="0"/>
+              <a:t>.</a:t>
             </a:r>
           </a:p>
           <a:p>
@@ -6229,33 +6271,22 @@
             </a:r>
             <a:r>
               <a:rPr lang="zh-CN" altLang="en-US" dirty="0" smtClean="0"/>
-              <a:t>比上述测试数据小的样例均可以在很短时间里面跑出最优解。</a:t>
+              <a:t>比上述测试数据小的样例均可以在很短时间里面跑出最优解</a:t>
+            </a:r>
+            <a:r>
+              <a:rPr lang="zh-CN" altLang="en-US" dirty="0" smtClean="0"/>
+              <a:t>。</a:t>
             </a:r>
             <a:endParaRPr lang="en-US" altLang="zh-CN" dirty="0" smtClean="0"/>
           </a:p>
           <a:p>
             <a:r>
-              <a:rPr lang="en-US" altLang="zh-CN" dirty="0" smtClean="0"/>
-              <a:t>2.</a:t>
-            </a:r>
-            <a:r>
-              <a:rPr lang="zh-CN" altLang="en-US" dirty="0" smtClean="0"/>
-              <a:t>而大数据中我尝试了让程序跑</a:t>
-            </a:r>
-            <a:r>
-              <a:rPr lang="zh-CN" altLang="en-US" dirty="0"/>
-              <a:t>很</a:t>
-            </a:r>
-            <a:r>
-              <a:rPr lang="zh-CN" altLang="en-US" dirty="0" smtClean="0"/>
-              <a:t>久，但是答案并没有更新。</a:t>
-            </a:r>
-            <a:endParaRPr lang="en-US" altLang="zh-CN" dirty="0" smtClean="0"/>
-          </a:p>
-          <a:p>
-            <a:r>
-              <a:rPr lang="en-US" altLang="zh-CN" dirty="0" smtClean="0"/>
-              <a:t>3.</a:t>
+              <a:rPr lang="en-US" altLang="zh-CN" dirty="0"/>
+              <a:t>2</a:t>
+            </a:r>
+            <a:r>
+              <a:rPr lang="en-US" altLang="zh-CN" dirty="0" smtClean="0"/>
+              <a:t>.</a:t>
             </a:r>
             <a:r>
               <a:rPr lang="zh-CN" altLang="en-US" dirty="0" smtClean="0"/>
@@ -6277,6 +6308,94 @@
     <p:extLst>
       <p:ext uri="{BB962C8B-B14F-4D97-AF65-F5344CB8AC3E}">
         <p14:creationId xmlns:p14="http://schemas.microsoft.com/office/powerpoint/2010/main" val="26290984"/>
+      </p:ext>
+    </p:extLst>
+  </p:cSld>
+  <p:clrMapOvr>
+    <a:masterClrMapping/>
+  </p:clrMapOvr>
+</p:sld>
+</file>
+
+<file path=ppt/slides/slide19.xml><?xml version="1.0" encoding="utf-8"?>
+<p:sld xmlns:a="http://schemas.openxmlformats.org/drawingml/2006/main" xmlns:r="http://schemas.openxmlformats.org/officeDocument/2006/relationships" xmlns:p="http://schemas.openxmlformats.org/presentationml/2006/main">
+  <p:cSld>
+    <p:spTree>
+      <p:nvGrpSpPr>
+        <p:cNvPr id="1" name=""/>
+        <p:cNvGrpSpPr/>
+        <p:nvPr/>
+      </p:nvGrpSpPr>
+      <p:grpSpPr>
+        <a:xfrm>
+          <a:off x="0" y="0"/>
+          <a:ext cx="0" cy="0"/>
+          <a:chOff x="0" y="0"/>
+          <a:chExt cx="0" cy="0"/>
+        </a:xfrm>
+      </p:grpSpPr>
+      <p:sp>
+        <p:nvSpPr>
+          <p:cNvPr id="2" name="标题 1"/>
+          <p:cNvSpPr>
+            <a:spLocks noGrp="1"/>
+          </p:cNvSpPr>
+          <p:nvPr>
+            <p:ph type="title"/>
+          </p:nvPr>
+        </p:nvSpPr>
+        <p:spPr/>
+        <p:txBody>
+          <a:bodyPr/>
+          <a:lstStyle/>
+          <a:p>
+            <a:r>
+              <a:rPr lang="zh-CN" altLang="en-US" dirty="0" smtClean="0"/>
+              <a:t>源码</a:t>
+            </a:r>
+            <a:endParaRPr lang="zh-CN" altLang="en-US" dirty="0"/>
+          </a:p>
+        </p:txBody>
+      </p:sp>
+      <p:sp>
+        <p:nvSpPr>
+          <p:cNvPr id="3" name="内容占位符 2"/>
+          <p:cNvSpPr>
+            <a:spLocks noGrp="1"/>
+          </p:cNvSpPr>
+          <p:nvPr>
+            <p:ph idx="1"/>
+          </p:nvPr>
+        </p:nvSpPr>
+        <p:spPr/>
+        <p:txBody>
+          <a:bodyPr/>
+          <a:lstStyle/>
+          <a:p>
+            <a:r>
+              <a:rPr lang="zh-CN" altLang="en-US" dirty="0"/>
+              <a:t>我</a:t>
+            </a:r>
+            <a:r>
+              <a:rPr lang="zh-CN" altLang="en-US" dirty="0" smtClean="0"/>
+              <a:t>自己的源码放在 </a:t>
+            </a:r>
+            <a:r>
+              <a:rPr lang="en-US" altLang="zh-CN" dirty="0" smtClean="0"/>
+              <a:t>https</a:t>
+            </a:r>
+            <a:r>
+              <a:rPr lang="en-US" altLang="zh-CN" dirty="0"/>
+              <a:t>://github.com/wuwuz/EWLS</a:t>
+            </a:r>
+            <a:endParaRPr lang="zh-CN" altLang="en-US" dirty="0"/>
+          </a:p>
+        </p:txBody>
+      </p:sp>
+    </p:spTree>
+    <p:extLst>
+      <p:ext uri="{BB962C8B-B14F-4D97-AF65-F5344CB8AC3E}">
+        <p14:creationId xmlns:p14="http://schemas.microsoft.com/office/powerpoint/2010/main" val="3164705922"/>
       </p:ext>
     </p:extLst>
   </p:cSld>
@@ -6326,8 +6445,8 @@
           </a:p>
         </p:txBody>
       </p:sp>
-      <mc:AlternateContent xmlns:mc="http://schemas.openxmlformats.org/markup-compatibility/2006">
-        <mc:Choice xmlns:a14="http://schemas.microsoft.com/office/drawing/2010/main" Requires="a14">
+      <mc:AlternateContent xmlns:mc="http://schemas.openxmlformats.org/markup-compatibility/2006" xmlns:a14="http://schemas.microsoft.com/office/drawing/2010/main">
+        <mc:Choice Requires="a14">
           <p:sp>
             <p:nvSpPr>
               <p:cNvPr id="3" name="内容占位符 2"/>
@@ -6520,7 +6639,7 @@
             </p:txBody>
           </p:sp>
         </mc:Choice>
-        <mc:Fallback>
+        <mc:Fallback xmlns="">
           <p:sp>
             <p:nvSpPr>
               <p:cNvPr id="3" name="内容占位符 2"/>

--- a/repo.pptx
+++ b/repo.pptx
@@ -6021,7 +6021,7 @@
             <p:ph idx="1"/>
             <p:extLst>
               <p:ext uri="{D42A27DB-BD31-4B8C-83A1-F6EECF244321}">
-                <p14:modId xmlns:p14="http://schemas.microsoft.com/office/powerpoint/2010/main" val="1234873978"/>
+                <p14:modId xmlns:p14="http://schemas.microsoft.com/office/powerpoint/2010/main" val="45360847"/>
               </p:ext>
             </p:extLst>
           </p:nvPr>
@@ -6169,21 +6169,21 @@
                     <a:p>
                       <a:r>
                         <a:rPr lang="en-US" altLang="zh-CN" dirty="0" smtClean="0"/>
-                        <a:t>3905</a:t>
-                      </a:r>
-                      <a:endParaRPr lang="zh-CN" altLang="en-US" dirty="0"/>
-                    </a:p>
-                  </a:txBody>
-                  <a:tcPr/>
-                </a:tc>
-                <a:tc>
-                  <a:txBody>
-                    <a:bodyPr/>
-                    <a:lstStyle/>
-                    <a:p>
-                      <a:r>
-                        <a:rPr lang="en-US" altLang="zh-CN" dirty="0" smtClean="0"/>
-                        <a:t>104.058</a:t>
+                        <a:t>3904</a:t>
+                      </a:r>
+                      <a:endParaRPr lang="zh-CN" altLang="en-US" dirty="0"/>
+                    </a:p>
+                  </a:txBody>
+                  <a:tcPr/>
+                </a:tc>
+                <a:tc>
+                  <a:txBody>
+                    <a:bodyPr/>
+                    <a:lstStyle/>
+                    <a:p>
+                      <a:r>
+                        <a:rPr lang="en-US" altLang="zh-CN" smtClean="0"/>
+                        <a:t>980.688</a:t>
                       </a:r>
                       <a:endParaRPr lang="zh-CN" altLang="en-US" dirty="0"/>
                     </a:p>
@@ -6257,11 +6257,7 @@
           <a:p>
             <a:r>
               <a:rPr lang="en-US" altLang="zh-CN" dirty="0" smtClean="0"/>
-              <a:t>P.S</a:t>
-            </a:r>
-            <a:r>
-              <a:rPr lang="en-US" altLang="zh-CN" dirty="0" smtClean="0"/>
-              <a:t>.</a:t>
+              <a:t>P.S.</a:t>
             </a:r>
           </a:p>
           <a:p>
@@ -6271,11 +6267,7 @@
             </a:r>
             <a:r>
               <a:rPr lang="zh-CN" altLang="en-US" dirty="0" smtClean="0"/>
-              <a:t>比上述测试数据小的样例均可以在很短时间里面跑出最优解</a:t>
-            </a:r>
-            <a:r>
-              <a:rPr lang="zh-CN" altLang="en-US" dirty="0" smtClean="0"/>
-              <a:t>。</a:t>
+              <a:t>比上述测试数据小的样例均可以在很短时间里面跑出最优解。</a:t>
             </a:r>
             <a:endParaRPr lang="en-US" altLang="zh-CN" dirty="0" smtClean="0"/>
           </a:p>
